--- a/Hands-on Modules/Embedding/3. Getting Started.pptx
+++ b/Hands-on Modules/Embedding/3. Getting Started.pptx
@@ -6,7 +6,7 @@
     <p:sldMasterId id="2147483665" r:id="rId5"/>
   </p:sldMasterIdLst>
   <p:notesMasterIdLst>
-    <p:notesMasterId r:id="rId16"/>
+    <p:notesMasterId r:id="rId15"/>
   </p:notesMasterIdLst>
   <p:sldIdLst>
     <p:sldId id="300" r:id="rId6"/>
@@ -15,10 +15,9 @@
     <p:sldId id="258" r:id="rId9"/>
     <p:sldId id="260" r:id="rId10"/>
     <p:sldId id="261" r:id="rId11"/>
-    <p:sldId id="334" r:id="rId12"/>
-    <p:sldId id="333" r:id="rId13"/>
-    <p:sldId id="321" r:id="rId14"/>
-    <p:sldId id="315" r:id="rId15"/>
+    <p:sldId id="333" r:id="rId12"/>
+    <p:sldId id="321" r:id="rId13"/>
+    <p:sldId id="315" r:id="rId14"/>
   </p:sldIdLst>
   <p:sldSz cx="12192000" cy="6858000"/>
   <p:notesSz cx="6858000" cy="9144000"/>
@@ -216,7 +215,7 @@
           <a:p>
             <a:fld id="{52A13B17-C506-4D51-BB37-16B365906619}" type="datetimeFigureOut">
               <a:rPr lang="en-US" smtClean="0"/>
-              <a:t>2/25/2019</a:t>
+              <a:t>2/26/2019</a:t>
             </a:fld>
             <a:endParaRPr lang="en-US"/>
           </a:p>
@@ -765,7 +764,7 @@
           <a:p>
             <a:fld id="{35A2D088-BDBD-41A5-ADCE-5C6A4DC08057}" type="datetime8">
               <a:rPr lang="en-US" smtClean="0"/>
-              <a:t>2/25/2019 11:19 PM</a:t>
+              <a:t>2/26/2019 10:34 AM</a:t>
             </a:fld>
             <a:endParaRPr lang="en-US" dirty="0"/>
           </a:p>
@@ -1030,7 +1029,7 @@
           <a:p>
             <a:fld id="{35A2D088-BDBD-41A5-ADCE-5C6A4DC08057}" type="datetime8">
               <a:rPr lang="en-US" smtClean="0"/>
-              <a:t>2/25/2019 11:19 PM</a:t>
+              <a:t>2/26/2019 10:34 AM</a:t>
             </a:fld>
             <a:endParaRPr lang="en-US" dirty="0"/>
           </a:p>
@@ -1054,7 +1053,7 @@
             <a:fld id="{B4008EB6-D09E-4580-8CD6-DDB14511944F}" type="slidenum">
               <a:rPr lang="en-US" smtClean="0"/>
               <a:pPr/>
-              <a:t>8</a:t>
+              <a:t>7</a:t>
             </a:fld>
             <a:endParaRPr lang="en-US" dirty="0"/>
           </a:p>
@@ -1138,7 +1137,7 @@
           <a:p>
             <a:fld id="{0998D5BB-B127-481F-BC0A-2F77C576BB34}" type="slidenum">
               <a:rPr lang="en-US" smtClean="0"/>
-              <a:t>9</a:t>
+              <a:t>8</a:t>
             </a:fld>
             <a:endParaRPr lang="en-US"/>
           </a:p>
@@ -1264,7 +1263,7 @@
                   <a:prstClr val="black"/>
                 </a:solidFill>
               </a:rPr>
-              <a:t>2/25/2019 11:19 PM</a:t>
+              <a:t>2/26/2019 12:30 PM</a:t>
             </a:fld>
             <a:endParaRPr lang="en-US" dirty="0">
               <a:solidFill>
@@ -1296,7 +1295,7 @@
                 </a:solidFill>
               </a:rPr>
               <a:pPr/>
-              <a:t>10</a:t>
+              <a:t>9</a:t>
             </a:fld>
             <a:endParaRPr lang="en-US" dirty="0">
               <a:solidFill>
@@ -11410,7 +11409,7 @@
             <a:fld id="{2E809A50-B28D-413A-915D-87F91E5248C6}" type="datetimeFigureOut">
               <a:rPr lang="en-US" smtClean="0"/>
               <a:pPr/>
-              <a:t>2/25/2019</a:t>
+              <a:t>2/26/2019</a:t>
             </a:fld>
             <a:endParaRPr lang="en-US"/>
           </a:p>
@@ -13747,56 +13746,6 @@
 </p:sld>
 </file>
 
-<file path=ppt/slides/slide10.xml><?xml version="1.0" encoding="utf-8"?>
-<p:sld xmlns:a="http://schemas.openxmlformats.org/drawingml/2006/main" xmlns:r="http://schemas.openxmlformats.org/officeDocument/2006/relationships" xmlns:p="http://schemas.openxmlformats.org/presentationml/2006/main">
-  <p:cSld>
-    <p:bg>
-      <p:bgPr>
-        <a:solidFill>
-          <a:schemeClr val="bg2"/>
-        </a:solidFill>
-        <a:effectLst/>
-      </p:bgPr>
-    </p:bg>
-    <p:spTree>
-      <p:nvGrpSpPr>
-        <p:cNvPr id="1" name=""/>
-        <p:cNvGrpSpPr/>
-        <p:nvPr/>
-      </p:nvGrpSpPr>
-      <p:grpSpPr>
-        <a:xfrm>
-          <a:off x="0" y="0"/>
-          <a:ext cx="0" cy="0"/>
-          <a:chOff x="0" y="0"/>
-          <a:chExt cx="0" cy="0"/>
-        </a:xfrm>
-      </p:grpSpPr>
-    </p:spTree>
-    <p:extLst>
-      <p:ext uri="{BB962C8B-B14F-4D97-AF65-F5344CB8AC3E}">
-        <p14:creationId xmlns:p14="http://schemas.microsoft.com/office/powerpoint/2010/main" val="1897784522"/>
-      </p:ext>
-    </p:extLst>
-  </p:cSld>
-  <p:clrMapOvr>
-    <a:masterClrMapping/>
-  </p:clrMapOvr>
-  <mc:AlternateContent xmlns:mc="http://schemas.openxmlformats.org/markup-compatibility/2006" xmlns:p14="http://schemas.microsoft.com/office/powerpoint/2010/main">
-    <mc:Choice Requires="p14">
-      <p:transition spd="med" p14:dur="700">
-        <p:fade/>
-      </p:transition>
-    </mc:Choice>
-    <mc:Fallback xmlns="">
-      <p:transition spd="med">
-        <p:fade/>
-      </p:transition>
-    </mc:Fallback>
-  </mc:AlternateContent>
-</p:sld>
-</file>
-
 <file path=ppt/slides/slide2.xml><?xml version="1.0" encoding="utf-8"?>
 <p:sld xmlns:a="http://schemas.openxmlformats.org/drawingml/2006/main" xmlns:r="http://schemas.openxmlformats.org/officeDocument/2006/relationships" xmlns:p="http://schemas.openxmlformats.org/presentationml/2006/main">
   <p:cSld>
@@ -14031,6 +13980,36 @@
           <a:chExt cx="0" cy="0"/>
         </a:xfrm>
       </p:grpSpPr>
+      <p:pic>
+        <p:nvPicPr>
+          <p:cNvPr id="7" name="Picture 6">
+            <a:extLst>
+              <a:ext uri="{FF2B5EF4-FFF2-40B4-BE49-F238E27FC236}">
+                <a16:creationId xmlns:a16="http://schemas.microsoft.com/office/drawing/2014/main" id="{908616E0-58AB-4D2F-B5AC-3868BAC6D934}"/>
+              </a:ext>
+            </a:extLst>
+          </p:cNvPr>
+          <p:cNvPicPr>
+            <a:picLocks noChangeAspect="1"/>
+          </p:cNvPicPr>
+          <p:nvPr/>
+        </p:nvPicPr>
+        <p:blipFill>
+          <a:blip r:embed="rId2"/>
+          <a:stretch>
+            <a:fillRect/>
+          </a:stretch>
+        </p:blipFill>
+        <p:spPr>
+          <a:xfrm>
+            <a:off x="6435213" y="1189175"/>
+            <a:ext cx="5489867" cy="3133165"/>
+          </a:xfrm>
+          <a:prstGeom prst="rect">
+            <a:avLst/>
+          </a:prstGeom>
+        </p:spPr>
+      </p:pic>
       <p:sp>
         <p:nvSpPr>
           <p:cNvPr id="2" name="Title 1"/>
@@ -14100,61 +14079,6 @@
           </a:p>
         </p:txBody>
       </p:sp>
-      <p:sp>
-        <p:nvSpPr>
-          <p:cNvPr id="5" name="Text Placeholder 4">
-            <a:extLst>
-              <a:ext uri="{FF2B5EF4-FFF2-40B4-BE49-F238E27FC236}">
-                <a16:creationId xmlns:a16="http://schemas.microsoft.com/office/drawing/2014/main" id="{9F52AF5C-7618-468A-8726-4A8AA7CC94AF}"/>
-              </a:ext>
-            </a:extLst>
-          </p:cNvPr>
-          <p:cNvSpPr>
-            <a:spLocks noGrp="1"/>
-          </p:cNvSpPr>
-          <p:nvPr>
-            <p:ph type="body" sz="quarter" idx="11"/>
-          </p:nvPr>
-        </p:nvSpPr>
-        <p:spPr/>
-        <p:txBody>
-          <a:bodyPr/>
-          <a:lstStyle/>
-          <a:p>
-            <a:endParaRPr lang="en-US"/>
-          </a:p>
-        </p:txBody>
-      </p:sp>
-      <p:pic>
-        <p:nvPicPr>
-          <p:cNvPr id="4" name="Picture 3"/>
-          <p:cNvPicPr/>
-          <p:nvPr/>
-        </p:nvPicPr>
-        <p:blipFill>
-          <a:blip r:embed="rId2" cstate="print"/>
-          <a:srcRect/>
-          <a:stretch>
-            <a:fillRect/>
-          </a:stretch>
-        </p:blipFill>
-        <p:spPr bwMode="auto">
-          <a:xfrm>
-            <a:off x="5979159" y="1792941"/>
-            <a:ext cx="5943600" cy="3053520"/>
-          </a:xfrm>
-          <a:prstGeom prst="rect">
-            <a:avLst/>
-          </a:prstGeom>
-          <a:noFill/>
-          <a:ln w="9525">
-            <a:noFill/>
-            <a:miter lim="800000"/>
-            <a:headEnd/>
-            <a:tailEnd/>
-          </a:ln>
-        </p:spPr>
-      </p:pic>
     </p:spTree>
   </p:cSld>
   <p:clrMapOvr>
@@ -14252,59 +14176,34 @@
           </a:p>
         </p:txBody>
       </p:sp>
-      <p:sp>
-        <p:nvSpPr>
-          <p:cNvPr id="4" name="Text Placeholder 3">
+      <p:pic>
+        <p:nvPicPr>
+          <p:cNvPr id="6" name="Picture 5">
             <a:extLst>
               <a:ext uri="{FF2B5EF4-FFF2-40B4-BE49-F238E27FC236}">
-                <a16:creationId xmlns:a16="http://schemas.microsoft.com/office/drawing/2014/main" id="{C5F84763-954F-4C47-AEC5-DB700855F7AD}"/>
+                <a16:creationId xmlns:a16="http://schemas.microsoft.com/office/drawing/2014/main" id="{B3D61208-2543-4BB4-8EE6-299BC37AD3B4}"/>
               </a:ext>
             </a:extLst>
           </p:cNvPr>
-          <p:cNvSpPr>
-            <a:spLocks noGrp="1"/>
-          </p:cNvSpPr>
-          <p:nvPr>
-            <p:ph type="body" sz="quarter" idx="11"/>
-          </p:nvPr>
-        </p:nvSpPr>
-        <p:spPr/>
-        <p:txBody>
-          <a:bodyPr/>
-          <a:lstStyle/>
-          <a:p>
-            <a:endParaRPr lang="en-US"/>
-          </a:p>
-        </p:txBody>
-      </p:sp>
-      <p:pic>
-        <p:nvPicPr>
-          <p:cNvPr id="5" name="Picture 4"/>
-          <p:cNvPicPr/>
+          <p:cNvPicPr>
+            <a:picLocks noChangeAspect="1"/>
+          </p:cNvPicPr>
           <p:nvPr/>
         </p:nvPicPr>
         <p:blipFill>
-          <a:blip r:embed="rId2" cstate="print"/>
-          <a:srcRect/>
+          <a:blip r:embed="rId2"/>
           <a:stretch>
             <a:fillRect/>
           </a:stretch>
         </p:blipFill>
-        <p:spPr bwMode="auto">
+        <p:spPr>
           <a:xfrm>
-            <a:off x="6006352" y="1189176"/>
-            <a:ext cx="6019800" cy="3657600"/>
+            <a:off x="6760300" y="1189176"/>
+            <a:ext cx="4946375" cy="4946375"/>
           </a:xfrm>
           <a:prstGeom prst="rect">
             <a:avLst/>
           </a:prstGeom>
-          <a:noFill/>
-          <a:ln w="9525">
-            <a:noFill/>
-            <a:miter lim="800000"/>
-            <a:headEnd/>
-            <a:tailEnd/>
-          </a:ln>
         </p:spPr>
       </p:pic>
     </p:spTree>
@@ -14384,7 +14283,7 @@
             <a:pPr algn="l"/>
             <a:r>
               <a:rPr lang="en-US" sz="2400" dirty="0"/>
-              <a:t>Open the</a:t>
+              <a:t>3. Open the</a:t>
             </a:r>
             <a:r>
               <a:rPr lang="en-US" sz="2400" dirty="0">
@@ -14473,36 +14372,6 @@
           </a:p>
         </p:txBody>
       </p:sp>
-      <p:pic>
-        <p:nvPicPr>
-          <p:cNvPr id="6" name="Picture 5"/>
-          <p:cNvPicPr/>
-          <p:nvPr/>
-        </p:nvPicPr>
-        <p:blipFill>
-          <a:blip r:embed="rId3" cstate="print"/>
-          <a:srcRect/>
-          <a:stretch>
-            <a:fillRect/>
-          </a:stretch>
-        </p:blipFill>
-        <p:spPr bwMode="auto">
-          <a:xfrm>
-            <a:off x="6899502" y="1044030"/>
-            <a:ext cx="4667971" cy="3429000"/>
-          </a:xfrm>
-          <a:prstGeom prst="rect">
-            <a:avLst/>
-          </a:prstGeom>
-          <a:noFill/>
-          <a:ln w="9525">
-            <a:noFill/>
-            <a:miter lim="800000"/>
-            <a:headEnd/>
-            <a:tailEnd/>
-          </a:ln>
-        </p:spPr>
-      </p:pic>
     </p:spTree>
   </p:cSld>
   <p:clrMapOvr>
@@ -14533,13 +14402,7 @@
       </p:grpSpPr>
       <p:sp>
         <p:nvSpPr>
-          <p:cNvPr id="2" name="Title 1">
-            <a:extLst>
-              <a:ext uri="{FF2B5EF4-FFF2-40B4-BE49-F238E27FC236}">
-                <a16:creationId xmlns:a16="http://schemas.microsoft.com/office/drawing/2014/main" id="{72B39F88-9836-406B-9BBD-B02CC2E2DD4A}"/>
-              </a:ext>
-            </a:extLst>
-          </p:cNvPr>
+          <p:cNvPr id="2" name="Title 1"/>
           <p:cNvSpPr>
             <a:spLocks noGrp="1"/>
           </p:cNvSpPr>
@@ -14549,88 +14412,42 @@
         </p:nvSpPr>
         <p:spPr/>
         <p:txBody>
-          <a:bodyPr anchor="b"/>
-          <a:lstStyle/>
-          <a:p>
-            <a:r>
-              <a:rPr lang="en-US" sz="3600" b="1" dirty="0"/>
-              <a:t>Register an application in Azure Active Directory (Azure AD)</a:t>
-            </a:r>
-            <a:endParaRPr lang="en-US" sz="3600" dirty="0"/>
-          </a:p>
-        </p:txBody>
-      </p:sp>
-      <p:sp>
-        <p:nvSpPr>
-          <p:cNvPr id="3" name="Text Placeholder 2">
-            <a:extLst>
-              <a:ext uri="{FF2B5EF4-FFF2-40B4-BE49-F238E27FC236}">
-                <a16:creationId xmlns:a16="http://schemas.microsoft.com/office/drawing/2014/main" id="{55B33EAC-A977-4A5F-9B83-EC973DCD00E6}"/>
-              </a:ext>
-            </a:extLst>
-          </p:cNvPr>
-          <p:cNvSpPr>
-            <a:spLocks noGrp="1"/>
-          </p:cNvSpPr>
-          <p:nvPr>
-            <p:ph type="body" sz="quarter" idx="10"/>
-          </p:nvPr>
-        </p:nvSpPr>
-        <p:spPr>
-          <a:xfrm>
-            <a:off x="269241" y="1189175"/>
-            <a:ext cx="5378548" cy="1488100"/>
-          </a:xfrm>
-        </p:spPr>
-        <p:txBody>
           <a:bodyPr/>
           <a:lstStyle/>
           <a:p>
             <a:r>
-              <a:rPr lang="en-US" dirty="0"/>
-              <a:t>https://docs.microsoft.com/en-us/power-bi/developer/register-app</a:t>
+              <a:rPr lang="en-US" dirty="0">
+                <a:solidFill>
+                  <a:schemeClr val="tx1"/>
+                </a:solidFill>
+              </a:rPr>
+              <a:t>Wrap Up</a:t>
             </a:r>
-          </a:p>
-        </p:txBody>
-      </p:sp>
-      <p:sp>
-        <p:nvSpPr>
-          <p:cNvPr id="4" name="Text Placeholder 3">
-            <a:extLst>
-              <a:ext uri="{FF2B5EF4-FFF2-40B4-BE49-F238E27FC236}">
-                <a16:creationId xmlns:a16="http://schemas.microsoft.com/office/drawing/2014/main" id="{A2B6A0BB-2E26-457F-A070-54D149D3C0B5}"/>
-              </a:ext>
-            </a:extLst>
-          </p:cNvPr>
-          <p:cNvSpPr>
-            <a:spLocks noGrp="1"/>
-          </p:cNvSpPr>
-          <p:nvPr>
-            <p:ph type="body" sz="quarter" idx="11"/>
-          </p:nvPr>
-        </p:nvSpPr>
-        <p:spPr/>
-        <p:txBody>
-          <a:bodyPr/>
-          <a:lstStyle/>
-          <a:p>
-            <a:endParaRPr lang="en-US"/>
           </a:p>
         </p:txBody>
       </p:sp>
     </p:spTree>
     <p:extLst>
       <p:ext uri="{BB962C8B-B14F-4D97-AF65-F5344CB8AC3E}">
-        <p14:creationId xmlns:p14="http://schemas.microsoft.com/office/powerpoint/2010/main" val="1641688129"/>
+        <p14:creationId xmlns:p14="http://schemas.microsoft.com/office/powerpoint/2010/main" val="2714070568"/>
       </p:ext>
     </p:extLst>
   </p:cSld>
   <p:clrMapOvr>
     <a:masterClrMapping/>
   </p:clrMapOvr>
-  <p:transition>
-    <p:fade/>
-  </p:transition>
+  <mc:AlternateContent xmlns:mc="http://schemas.openxmlformats.org/markup-compatibility/2006" xmlns:p14="http://schemas.microsoft.com/office/powerpoint/2010/main">
+    <mc:Choice Requires="p14">
+      <p:transition spd="med" p14:dur="700">
+        <p:fade/>
+      </p:transition>
+    </mc:Choice>
+    <mc:Fallback xmlns="">
+      <p:transition spd="med">
+        <p:fade/>
+      </p:transition>
+    </mc:Fallback>
+  </mc:AlternateContent>
 </p:sld>
 </file>
 
@@ -14663,74 +14480,6 @@
         </p:nvSpPr>
         <p:spPr/>
         <p:txBody>
-          <a:bodyPr/>
-          <a:lstStyle/>
-          <a:p>
-            <a:r>
-              <a:rPr lang="en-US" dirty="0">
-                <a:solidFill>
-                  <a:schemeClr val="tx1"/>
-                </a:solidFill>
-              </a:rPr>
-              <a:t>Wrap Up</a:t>
-            </a:r>
-          </a:p>
-        </p:txBody>
-      </p:sp>
-    </p:spTree>
-    <p:extLst>
-      <p:ext uri="{BB962C8B-B14F-4D97-AF65-F5344CB8AC3E}">
-        <p14:creationId xmlns:p14="http://schemas.microsoft.com/office/powerpoint/2010/main" val="2714070568"/>
-      </p:ext>
-    </p:extLst>
-  </p:cSld>
-  <p:clrMapOvr>
-    <a:masterClrMapping/>
-  </p:clrMapOvr>
-  <mc:AlternateContent xmlns:mc="http://schemas.openxmlformats.org/markup-compatibility/2006" xmlns:p14="http://schemas.microsoft.com/office/powerpoint/2010/main">
-    <mc:Choice Requires="p14">
-      <p:transition spd="med" p14:dur="700">
-        <p:fade/>
-      </p:transition>
-    </mc:Choice>
-    <mc:Fallback xmlns="">
-      <p:transition spd="med">
-        <p:fade/>
-      </p:transition>
-    </mc:Fallback>
-  </mc:AlternateContent>
-</p:sld>
-</file>
-
-<file path=ppt/slides/slide9.xml><?xml version="1.0" encoding="utf-8"?>
-<p:sld xmlns:a="http://schemas.openxmlformats.org/drawingml/2006/main" xmlns:r="http://schemas.openxmlformats.org/officeDocument/2006/relationships" xmlns:p="http://schemas.openxmlformats.org/presentationml/2006/main">
-  <p:cSld>
-    <p:spTree>
-      <p:nvGrpSpPr>
-        <p:cNvPr id="1" name=""/>
-        <p:cNvGrpSpPr/>
-        <p:nvPr/>
-      </p:nvGrpSpPr>
-      <p:grpSpPr>
-        <a:xfrm>
-          <a:off x="0" y="0"/>
-          <a:ext cx="0" cy="0"/>
-          <a:chOff x="0" y="0"/>
-          <a:chExt cx="0" cy="0"/>
-        </a:xfrm>
-      </p:grpSpPr>
-      <p:sp>
-        <p:nvSpPr>
-          <p:cNvPr id="2" name="Title 1"/>
-          <p:cNvSpPr>
-            <a:spLocks noGrp="1"/>
-          </p:cNvSpPr>
-          <p:nvPr>
-            <p:ph type="title"/>
-          </p:nvPr>
-        </p:nvSpPr>
-        <p:spPr/>
-        <p:txBody>
           <a:bodyPr>
             <a:normAutofit/>
           </a:bodyPr>
@@ -14888,6 +14637,56 @@
     </mc:Choice>
     <mc:Fallback xmlns="">
       <p:transition/>
+    </mc:Fallback>
+  </mc:AlternateContent>
+</p:sld>
+</file>
+
+<file path=ppt/slides/slide9.xml><?xml version="1.0" encoding="utf-8"?>
+<p:sld xmlns:a="http://schemas.openxmlformats.org/drawingml/2006/main" xmlns:r="http://schemas.openxmlformats.org/officeDocument/2006/relationships" xmlns:p="http://schemas.openxmlformats.org/presentationml/2006/main">
+  <p:cSld>
+    <p:bg>
+      <p:bgPr>
+        <a:solidFill>
+          <a:schemeClr val="bg2"/>
+        </a:solidFill>
+        <a:effectLst/>
+      </p:bgPr>
+    </p:bg>
+    <p:spTree>
+      <p:nvGrpSpPr>
+        <p:cNvPr id="1" name=""/>
+        <p:cNvGrpSpPr/>
+        <p:nvPr/>
+      </p:nvGrpSpPr>
+      <p:grpSpPr>
+        <a:xfrm>
+          <a:off x="0" y="0"/>
+          <a:ext cx="0" cy="0"/>
+          <a:chOff x="0" y="0"/>
+          <a:chExt cx="0" cy="0"/>
+        </a:xfrm>
+      </p:grpSpPr>
+    </p:spTree>
+    <p:extLst>
+      <p:ext uri="{BB962C8B-B14F-4D97-AF65-F5344CB8AC3E}">
+        <p14:creationId xmlns:p14="http://schemas.microsoft.com/office/powerpoint/2010/main" val="1897784522"/>
+      </p:ext>
+    </p:extLst>
+  </p:cSld>
+  <p:clrMapOvr>
+    <a:masterClrMapping/>
+  </p:clrMapOvr>
+  <mc:AlternateContent xmlns:mc="http://schemas.openxmlformats.org/markup-compatibility/2006" xmlns:p14="http://schemas.microsoft.com/office/powerpoint/2010/main">
+    <mc:Choice Requires="p14">
+      <p:transition spd="med" p14:dur="700">
+        <p:fade/>
+      </p:transition>
+    </mc:Choice>
+    <mc:Fallback xmlns="">
+      <p:transition spd="med">
+        <p:fade/>
+      </p:transition>
     </mc:Fallback>
   </mc:AlternateContent>
 </p:sld>
@@ -15759,21 +15558,21 @@
 </file>
 
 <file path=customXml/item1.xml><?xml version="1.0" encoding="utf-8"?>
+<?mso-contentType ?>
+<FormTemplates xmlns="http://schemas.microsoft.com/sharepoint/v3/contenttype/forms">
+  <Display>DocumentLibraryForm</Display>
+  <Edit>DocumentLibraryForm</Edit>
+  <New>DocumentLibraryForm</New>
+</FormTemplates>
+</file>
+
+<file path=customXml/item2.xml><?xml version="1.0" encoding="utf-8"?>
 <p:properties xmlns:p="http://schemas.microsoft.com/office/2006/metadata/properties" xmlns:xsi="http://www.w3.org/2001/XMLSchema-instance" xmlns:pc="http://schemas.microsoft.com/office/infopath/2007/PartnerControls">
   <documentManagement>
     <_ip_UnifiedCompliancePolicyUIAction xmlns="http://schemas.microsoft.com/sharepoint/v3" xsi:nil="true"/>
     <_ip_UnifiedCompliancePolicyProperties xmlns="http://schemas.microsoft.com/sharepoint/v3" xsi:nil="true"/>
   </documentManagement>
 </p:properties>
-</file>
-
-<file path=customXml/item2.xml><?xml version="1.0" encoding="utf-8"?>
-<?mso-contentType ?>
-<FormTemplates xmlns="http://schemas.microsoft.com/sharepoint/v3/contenttype/forms">
-  <Display>DocumentLibraryForm</Display>
-  <Edit>DocumentLibraryForm</Edit>
-  <New>DocumentLibraryForm</New>
-</FormTemplates>
 </file>
 
 <file path=customXml/item3.xml><?xml version="1.0" encoding="utf-8"?>
@@ -15979,6 +15778,14 @@
 </file>
 
 <file path=customXml/itemProps1.xml><?xml version="1.0" encoding="utf-8"?>
+<ds:datastoreItem xmlns:ds="http://schemas.openxmlformats.org/officeDocument/2006/customXml" ds:itemID="{F18501AF-04CF-4482-BAE1-607B49DDC378}">
+  <ds:schemaRefs>
+    <ds:schemaRef ds:uri="http://schemas.microsoft.com/sharepoint/v3/contenttype/forms"/>
+  </ds:schemaRefs>
+</ds:datastoreItem>
+</file>
+
+<file path=customXml/itemProps2.xml><?xml version="1.0" encoding="utf-8"?>
 <ds:datastoreItem xmlns:ds="http://schemas.openxmlformats.org/officeDocument/2006/customXml" ds:itemID="{BAF7D529-36AB-45DA-B239-2F912F2D1610}">
   <ds:schemaRefs>
     <ds:schemaRef ds:uri="http://schemas.microsoft.com/office/2006/metadata/properties"/>
@@ -15992,14 +15799,6 @@
     <ds:schemaRef ds:uri="http://schemas.microsoft.com/office/infopath/2007/PartnerControls"/>
     <ds:schemaRef ds:uri="http://schemas.microsoft.com/sharepoint/v3"/>
     <ds:schemaRef ds:uri="http://www.w3.org/XML/1998/namespace"/>
-  </ds:schemaRefs>
-</ds:datastoreItem>
-</file>
-
-<file path=customXml/itemProps2.xml><?xml version="1.0" encoding="utf-8"?>
-<ds:datastoreItem xmlns:ds="http://schemas.openxmlformats.org/officeDocument/2006/customXml" ds:itemID="{F18501AF-04CF-4482-BAE1-607B49DDC378}">
-  <ds:schemaRefs>
-    <ds:schemaRef ds:uri="http://schemas.microsoft.com/sharepoint/v3/contenttype/forms"/>
   </ds:schemaRefs>
 </ds:datastoreItem>
 </file>

--- a/Hands-on Modules/Embedding/3. Getting Started.pptx
+++ b/Hands-on Modules/Embedding/3. Getting Started.pptx
@@ -6,7 +6,7 @@
     <p:sldMasterId id="2147483665" r:id="rId5"/>
   </p:sldMasterIdLst>
   <p:notesMasterIdLst>
-    <p:notesMasterId r:id="rId15"/>
+    <p:notesMasterId r:id="rId14"/>
   </p:notesMasterIdLst>
   <p:sldIdLst>
     <p:sldId id="300" r:id="rId6"/>
@@ -16,8 +16,7 @@
     <p:sldId id="260" r:id="rId10"/>
     <p:sldId id="261" r:id="rId11"/>
     <p:sldId id="333" r:id="rId12"/>
-    <p:sldId id="321" r:id="rId13"/>
-    <p:sldId id="315" r:id="rId14"/>
+    <p:sldId id="315" r:id="rId13"/>
   </p:sldIdLst>
   <p:sldSz cx="12192000" cy="6858000"/>
   <p:notesSz cx="6858000" cy="9144000"/>
@@ -764,7 +763,7 @@
           <a:p>
             <a:fld id="{35A2D088-BDBD-41A5-ADCE-5C6A4DC08057}" type="datetime8">
               <a:rPr lang="en-US" smtClean="0"/>
-              <a:t>2/26/2019 10:34 AM</a:t>
+              <a:t>2/26/2019 1:01 PM</a:t>
             </a:fld>
             <a:endParaRPr lang="en-US" dirty="0"/>
           </a:p>
@@ -1029,7 +1028,7 @@
           <a:p>
             <a:fld id="{35A2D088-BDBD-41A5-ADCE-5C6A4DC08057}" type="datetime8">
               <a:rPr lang="en-US" smtClean="0"/>
-              <a:t>2/26/2019 10:34 AM</a:t>
+              <a:t>2/26/2019 1:01 PM</a:t>
             </a:fld>
             <a:endParaRPr lang="en-US" dirty="0"/>
           </a:p>
@@ -1073,90 +1072,6 @@
 </file>
 
 <file path=ppt/notesSlides/notesSlide5.xml><?xml version="1.0" encoding="utf-8"?>
-<p:notes xmlns:a="http://schemas.openxmlformats.org/drawingml/2006/main" xmlns:r="http://schemas.openxmlformats.org/officeDocument/2006/relationships" xmlns:p="http://schemas.openxmlformats.org/presentationml/2006/main">
-  <p:cSld>
-    <p:spTree>
-      <p:nvGrpSpPr>
-        <p:cNvPr id="1" name=""/>
-        <p:cNvGrpSpPr/>
-        <p:nvPr/>
-      </p:nvGrpSpPr>
-      <p:grpSpPr>
-        <a:xfrm>
-          <a:off x="0" y="0"/>
-          <a:ext cx="0" cy="0"/>
-          <a:chOff x="0" y="0"/>
-          <a:chExt cx="0" cy="0"/>
-        </a:xfrm>
-      </p:grpSpPr>
-      <p:sp>
-        <p:nvSpPr>
-          <p:cNvPr id="2" name="Slide Image Placeholder 1"/>
-          <p:cNvSpPr>
-            <a:spLocks noGrp="1" noRot="1" noChangeAspect="1"/>
-          </p:cNvSpPr>
-          <p:nvPr>
-            <p:ph type="sldImg"/>
-          </p:nvPr>
-        </p:nvSpPr>
-        <p:spPr/>
-      </p:sp>
-      <p:sp>
-        <p:nvSpPr>
-          <p:cNvPr id="3" name="Notes Placeholder 2"/>
-          <p:cNvSpPr>
-            <a:spLocks noGrp="1"/>
-          </p:cNvSpPr>
-          <p:nvPr>
-            <p:ph type="body" idx="1"/>
-          </p:nvPr>
-        </p:nvSpPr>
-        <p:spPr/>
-        <p:txBody>
-          <a:bodyPr/>
-          <a:lstStyle/>
-          <a:p>
-            <a:endParaRPr lang="en-US" dirty="0"/>
-          </a:p>
-        </p:txBody>
-      </p:sp>
-      <p:sp>
-        <p:nvSpPr>
-          <p:cNvPr id="4" name="Slide Number Placeholder 3"/>
-          <p:cNvSpPr>
-            <a:spLocks noGrp="1"/>
-          </p:cNvSpPr>
-          <p:nvPr>
-            <p:ph type="sldNum" sz="quarter" idx="10"/>
-          </p:nvPr>
-        </p:nvSpPr>
-        <p:spPr/>
-        <p:txBody>
-          <a:bodyPr/>
-          <a:lstStyle/>
-          <a:p>
-            <a:fld id="{0998D5BB-B127-481F-BC0A-2F77C576BB34}" type="slidenum">
-              <a:rPr lang="en-US" smtClean="0"/>
-              <a:t>8</a:t>
-            </a:fld>
-            <a:endParaRPr lang="en-US"/>
-          </a:p>
-        </p:txBody>
-      </p:sp>
-    </p:spTree>
-    <p:extLst>
-      <p:ext uri="{BB962C8B-B14F-4D97-AF65-F5344CB8AC3E}">
-        <p14:creationId xmlns:p14="http://schemas.microsoft.com/office/powerpoint/2010/main" val="1579283386"/>
-      </p:ext>
-    </p:extLst>
-  </p:cSld>
-  <p:clrMapOvr>
-    <a:masterClrMapping/>
-  </p:clrMapOvr>
-</p:notes>
-</file>
-
-<file path=ppt/notesSlides/notesSlide6.xml><?xml version="1.0" encoding="utf-8"?>
 <p:notes xmlns:a="http://schemas.openxmlformats.org/drawingml/2006/main" xmlns:r="http://schemas.openxmlformats.org/officeDocument/2006/relationships" xmlns:p="http://schemas.openxmlformats.org/presentationml/2006/main">
   <p:cSld>
     <p:spTree>
@@ -1263,7 +1178,7 @@
                   <a:prstClr val="black"/>
                 </a:solidFill>
               </a:rPr>
-              <a:t>2/26/2019 12:30 PM</a:t>
+              <a:t>2/26/2019 1:01 PM</a:t>
             </a:fld>
             <a:endParaRPr lang="en-US" dirty="0">
               <a:solidFill>
@@ -1295,7 +1210,7 @@
                 </a:solidFill>
               </a:rPr>
               <a:pPr/>
-              <a:t>9</a:t>
+              <a:t>8</a:t>
             </a:fld>
             <a:endParaRPr lang="en-US" dirty="0">
               <a:solidFill>
@@ -13884,7 +13799,7 @@
         <p:spPr>
           <a:xfrm>
             <a:off x="340285" y="1741246"/>
-            <a:ext cx="7247965" cy="1612749"/>
+            <a:ext cx="7247965" cy="1369606"/>
           </a:xfrm>
           <a:prstGeom prst="rect">
             <a:avLst/>
@@ -13896,22 +13811,6 @@
             <a:spAutoFit/>
           </a:bodyPr>
           <a:lstStyle/>
-          <a:p>
-            <a:pPr>
-              <a:lnSpc>
-                <a:spcPct val="90000"/>
-              </a:lnSpc>
-              <a:spcAft>
-                <a:spcPts val="600"/>
-              </a:spcAft>
-            </a:pPr>
-            <a:r>
-              <a:rPr lang="en-US" sz="3600" dirty="0">
-                <a:latin typeface="+mj-lt"/>
-              </a:rPr>
-              <a:t>Abstract and learning objectives</a:t>
-            </a:r>
-          </a:p>
           <a:p>
             <a:pPr>
               <a:lnSpc>
@@ -13926,7 +13825,7 @@
                 <a:latin typeface="Segoe UI Semilight" panose="020B0402040204020203" pitchFamily="34" charset="0"/>
                 <a:cs typeface="Segoe UI Semilight" panose="020B0402040204020203" pitchFamily="34" charset="0"/>
               </a:rPr>
-              <a:t>Embed Power BI objects within applications</a:t>
+              <a:t>Create and set-up required environments for Power BI Embedded</a:t>
             </a:r>
           </a:p>
           <a:p>
@@ -14452,197 +14351,6 @@
 </file>
 
 <file path=ppt/slides/slide8.xml><?xml version="1.0" encoding="utf-8"?>
-<p:sld xmlns:a="http://schemas.openxmlformats.org/drawingml/2006/main" xmlns:r="http://schemas.openxmlformats.org/officeDocument/2006/relationships" xmlns:p="http://schemas.openxmlformats.org/presentationml/2006/main">
-  <p:cSld>
-    <p:spTree>
-      <p:nvGrpSpPr>
-        <p:cNvPr id="1" name=""/>
-        <p:cNvGrpSpPr/>
-        <p:nvPr/>
-      </p:nvGrpSpPr>
-      <p:grpSpPr>
-        <a:xfrm>
-          <a:off x="0" y="0"/>
-          <a:ext cx="0" cy="0"/>
-          <a:chOff x="0" y="0"/>
-          <a:chExt cx="0" cy="0"/>
-        </a:xfrm>
-      </p:grpSpPr>
-      <p:sp>
-        <p:nvSpPr>
-          <p:cNvPr id="2" name="Title 1"/>
-          <p:cNvSpPr>
-            <a:spLocks noGrp="1"/>
-          </p:cNvSpPr>
-          <p:nvPr>
-            <p:ph type="title"/>
-          </p:nvPr>
-        </p:nvSpPr>
-        <p:spPr/>
-        <p:txBody>
-          <a:bodyPr>
-            <a:normAutofit/>
-          </a:bodyPr>
-          <a:lstStyle/>
-          <a:p>
-            <a:r>
-              <a:rPr lang="en-US" sz="4400" dirty="0">
-                <a:solidFill>
-                  <a:schemeClr val="tx1"/>
-                </a:solidFill>
-                <a:latin typeface="Segoe UI Light" panose="020B0502040204020203" pitchFamily="34" charset="0"/>
-                <a:cs typeface="Segoe UI Light" panose="020B0502040204020203" pitchFamily="34" charset="0"/>
-              </a:rPr>
-              <a:t>Wrap-up</a:t>
-            </a:r>
-          </a:p>
-        </p:txBody>
-      </p:sp>
-      <p:sp>
-        <p:nvSpPr>
-          <p:cNvPr id="9" name="TextBox 8">
-            <a:extLst>
-              <a:ext uri="{FF2B5EF4-FFF2-40B4-BE49-F238E27FC236}">
-                <a16:creationId xmlns:a16="http://schemas.microsoft.com/office/drawing/2014/main" id="{0F86F9F9-39B5-4CE6-AF48-9ADAE40EA728}"/>
-              </a:ext>
-            </a:extLst>
-          </p:cNvPr>
-          <p:cNvSpPr txBox="1"/>
-          <p:nvPr/>
-        </p:nvSpPr>
-        <p:spPr>
-          <a:xfrm>
-            <a:off x="340285" y="1741246"/>
-            <a:ext cx="7247965" cy="3006977"/>
-          </a:xfrm>
-          <a:prstGeom prst="rect">
-            <a:avLst/>
-          </a:prstGeom>
-          <a:noFill/>
-        </p:spPr>
-        <p:txBody>
-          <a:bodyPr wrap="square" lIns="182880" tIns="146304" rIns="182880" bIns="146304" rtlCol="0">
-            <a:spAutoFit/>
-          </a:bodyPr>
-          <a:lstStyle/>
-          <a:p>
-            <a:pPr>
-              <a:lnSpc>
-                <a:spcPct val="90000"/>
-              </a:lnSpc>
-              <a:spcAft>
-                <a:spcPts val="600"/>
-              </a:spcAft>
-            </a:pPr>
-            <a:r>
-              <a:rPr lang="en-US" sz="3600" dirty="0">
-                <a:latin typeface="+mj-lt"/>
-              </a:rPr>
-              <a:t>Outcome</a:t>
-            </a:r>
-          </a:p>
-          <a:p>
-            <a:pPr>
-              <a:lnSpc>
-                <a:spcPct val="90000"/>
-              </a:lnSpc>
-              <a:spcAft>
-                <a:spcPts val="600"/>
-              </a:spcAft>
-            </a:pPr>
-            <a:r>
-              <a:rPr lang="en-US" sz="2400" dirty="0">
-                <a:latin typeface="Segoe UI Semilight" panose="020B0402040204020203" pitchFamily="34" charset="0"/>
-                <a:cs typeface="Segoe UI Semilight" panose="020B0402040204020203" pitchFamily="34" charset="0"/>
-              </a:rPr>
-              <a:t>Identify the preferred solution for the case study</a:t>
-            </a:r>
-          </a:p>
-          <a:p>
-            <a:pPr>
-              <a:lnSpc>
-                <a:spcPct val="90000"/>
-              </a:lnSpc>
-              <a:spcAft>
-                <a:spcPts val="600"/>
-              </a:spcAft>
-            </a:pPr>
-            <a:r>
-              <a:rPr lang="en-US" sz="2400" dirty="0">
-                <a:latin typeface="Segoe UI Semilight" panose="020B0402040204020203" pitchFamily="34" charset="0"/>
-                <a:cs typeface="Segoe UI Semilight" panose="020B0402040204020203" pitchFamily="34" charset="0"/>
-              </a:rPr>
-              <a:t>Identify solutions designed by other teams</a:t>
-            </a:r>
-          </a:p>
-          <a:p>
-            <a:pPr>
-              <a:lnSpc>
-                <a:spcPct val="90000"/>
-              </a:lnSpc>
-              <a:spcAft>
-                <a:spcPts val="600"/>
-              </a:spcAft>
-            </a:pPr>
-            <a:endParaRPr lang="en-US" sz="2400" dirty="0"/>
-          </a:p>
-          <a:p>
-            <a:pPr>
-              <a:lnSpc>
-                <a:spcPct val="90000"/>
-              </a:lnSpc>
-              <a:spcAft>
-                <a:spcPts val="600"/>
-              </a:spcAft>
-            </a:pPr>
-            <a:r>
-              <a:rPr lang="en-US" sz="3600" dirty="0">
-                <a:latin typeface="+mj-lt"/>
-              </a:rPr>
-              <a:t>Timeframe</a:t>
-            </a:r>
-          </a:p>
-          <a:p>
-            <a:pPr>
-              <a:lnSpc>
-                <a:spcPct val="90000"/>
-              </a:lnSpc>
-              <a:spcAft>
-                <a:spcPts val="600"/>
-              </a:spcAft>
-            </a:pPr>
-            <a:r>
-              <a:rPr lang="en-US" sz="2400" dirty="0">
-                <a:latin typeface="Segoe UI Semilight" panose="020B0402040204020203" pitchFamily="34" charset="0"/>
-                <a:cs typeface="Segoe UI Semilight" panose="020B0402040204020203" pitchFamily="34" charset="0"/>
-              </a:rPr>
-              <a:t>15 minutes</a:t>
-            </a:r>
-          </a:p>
-        </p:txBody>
-      </p:sp>
-    </p:spTree>
-    <p:extLst>
-      <p:ext uri="{BB962C8B-B14F-4D97-AF65-F5344CB8AC3E}">
-        <p14:creationId xmlns:p14="http://schemas.microsoft.com/office/powerpoint/2010/main" val="4239998353"/>
-      </p:ext>
-    </p:extLst>
-  </p:cSld>
-  <p:clrMapOvr>
-    <a:masterClrMapping/>
-  </p:clrMapOvr>
-  <mc:AlternateContent xmlns:mc="http://schemas.openxmlformats.org/markup-compatibility/2006" xmlns:p14="http://schemas.microsoft.com/office/powerpoint/2010/main">
-    <mc:Choice Requires="p14">
-      <p:transition p14:dur="0"/>
-    </mc:Choice>
-    <mc:Fallback xmlns="">
-      <p:transition/>
-    </mc:Fallback>
-  </mc:AlternateContent>
-</p:sld>
-</file>
-
-<file path=ppt/slides/slide9.xml><?xml version="1.0" encoding="utf-8"?>
 <p:sld xmlns:a="http://schemas.openxmlformats.org/drawingml/2006/main" xmlns:r="http://schemas.openxmlformats.org/officeDocument/2006/relationships" xmlns:p="http://schemas.openxmlformats.org/presentationml/2006/main">
   <p:cSld>
     <p:bg>
@@ -15558,24 +15266,6 @@
 </file>
 
 <file path=customXml/item1.xml><?xml version="1.0" encoding="utf-8"?>
-<?mso-contentType ?>
-<FormTemplates xmlns="http://schemas.microsoft.com/sharepoint/v3/contenttype/forms">
-  <Display>DocumentLibraryForm</Display>
-  <Edit>DocumentLibraryForm</Edit>
-  <New>DocumentLibraryForm</New>
-</FormTemplates>
-</file>
-
-<file path=customXml/item2.xml><?xml version="1.0" encoding="utf-8"?>
-<p:properties xmlns:p="http://schemas.microsoft.com/office/2006/metadata/properties" xmlns:xsi="http://www.w3.org/2001/XMLSchema-instance" xmlns:pc="http://schemas.microsoft.com/office/infopath/2007/PartnerControls">
-  <documentManagement>
-    <_ip_UnifiedCompliancePolicyUIAction xmlns="http://schemas.microsoft.com/sharepoint/v3" xsi:nil="true"/>
-    <_ip_UnifiedCompliancePolicyProperties xmlns="http://schemas.microsoft.com/sharepoint/v3" xsi:nil="true"/>
-  </documentManagement>
-</p:properties>
-</file>
-
-<file path=customXml/item3.xml><?xml version="1.0" encoding="utf-8"?>
 <ct:contentTypeSchema xmlns:ct="http://schemas.microsoft.com/office/2006/metadata/contentType" xmlns:ma="http://schemas.microsoft.com/office/2006/metadata/properties/metaAttributes" ct:_="" ma:_="" ma:contentTypeName="Document" ma:contentTypeID="0x010100D15DFA3690A15B4081582BBCC6BEAC3E" ma:contentTypeVersion="9" ma:contentTypeDescription="Create a new document." ma:contentTypeScope="" ma:versionID="642da1784587cbe85a7fdbbe4dc36103">
   <xsd:schema xmlns:xsd="http://www.w3.org/2001/XMLSchema" xmlns:xs="http://www.w3.org/2001/XMLSchema" xmlns:p="http://schemas.microsoft.com/office/2006/metadata/properties" xmlns:ns1="http://schemas.microsoft.com/sharepoint/v3" xmlns:ns2="2023ac63-7b75-4916-a9ee-591457758eee" xmlns:ns3="d9c797ad-d7c3-4982-82b7-81352a75e4a5" targetNamespace="http://schemas.microsoft.com/office/2006/metadata/properties" ma:root="true" ma:fieldsID="91198b0246576053cc55dd2c67035a89" ns1:_="" ns2:_="" ns3:_="">
     <xsd:import namespace="http://schemas.microsoft.com/sharepoint/v3"/>
@@ -15777,10 +15467,40 @@
 </ct:contentTypeSchema>
 </file>
 
+<file path=customXml/item2.xml><?xml version="1.0" encoding="utf-8"?>
+<p:properties xmlns:p="http://schemas.microsoft.com/office/2006/metadata/properties" xmlns:xsi="http://www.w3.org/2001/XMLSchema-instance" xmlns:pc="http://schemas.microsoft.com/office/infopath/2007/PartnerControls">
+  <documentManagement>
+    <_ip_UnifiedCompliancePolicyUIAction xmlns="http://schemas.microsoft.com/sharepoint/v3" xsi:nil="true"/>
+    <_ip_UnifiedCompliancePolicyProperties xmlns="http://schemas.microsoft.com/sharepoint/v3" xsi:nil="true"/>
+  </documentManagement>
+</p:properties>
+</file>
+
+<file path=customXml/item3.xml><?xml version="1.0" encoding="utf-8"?>
+<?mso-contentType ?>
+<FormTemplates xmlns="http://schemas.microsoft.com/sharepoint/v3/contenttype/forms">
+  <Display>DocumentLibraryForm</Display>
+  <Edit>DocumentLibraryForm</Edit>
+  <New>DocumentLibraryForm</New>
+</FormTemplates>
+</file>
+
 <file path=customXml/itemProps1.xml><?xml version="1.0" encoding="utf-8"?>
-<ds:datastoreItem xmlns:ds="http://schemas.openxmlformats.org/officeDocument/2006/customXml" ds:itemID="{F18501AF-04CF-4482-BAE1-607B49DDC378}">
+<ds:datastoreItem xmlns:ds="http://schemas.openxmlformats.org/officeDocument/2006/customXml" ds:itemID="{255F5BEB-6AD6-480A-8556-C80C5EBC10F2}">
   <ds:schemaRefs>
-    <ds:schemaRef ds:uri="http://schemas.microsoft.com/sharepoint/v3/contenttype/forms"/>
+    <ds:schemaRef ds:uri="http://schemas.microsoft.com/office/2006/metadata/contentType"/>
+    <ds:schemaRef ds:uri="http://schemas.microsoft.com/office/2006/metadata/properties/metaAttributes"/>
+    <ds:schemaRef ds:uri="http://www.w3.org/2001/XMLSchema"/>
+    <ds:schemaRef ds:uri="http://schemas.microsoft.com/office/2006/metadata/properties"/>
+    <ds:schemaRef ds:uri="http://schemas.microsoft.com/sharepoint/v3"/>
+    <ds:schemaRef ds:uri="2023ac63-7b75-4916-a9ee-591457758eee"/>
+    <ds:schemaRef ds:uri="d9c797ad-d7c3-4982-82b7-81352a75e4a5"/>
+    <ds:schemaRef ds:uri="http://schemas.microsoft.com/office/2006/documentManagement/types"/>
+    <ds:schemaRef ds:uri="http://schemas.microsoft.com/office/infopath/2007/PartnerControls"/>
+    <ds:schemaRef ds:uri="http://schemas.openxmlformats.org/package/2006/metadata/core-properties"/>
+    <ds:schemaRef ds:uri="http://purl.org/dc/elements/1.1/"/>
+    <ds:schemaRef ds:uri="http://purl.org/dc/terms/"/>
+    <ds:schemaRef ds:uri="http://schemas.microsoft.com/internal/obd"/>
   </ds:schemaRefs>
 </ds:datastoreItem>
 </file>
@@ -15804,21 +15524,9 @@
 </file>
 
 <file path=customXml/itemProps3.xml><?xml version="1.0" encoding="utf-8"?>
-<ds:datastoreItem xmlns:ds="http://schemas.openxmlformats.org/officeDocument/2006/customXml" ds:itemID="{255F5BEB-6AD6-480A-8556-C80C5EBC10F2}">
+<ds:datastoreItem xmlns:ds="http://schemas.openxmlformats.org/officeDocument/2006/customXml" ds:itemID="{F18501AF-04CF-4482-BAE1-607B49DDC378}">
   <ds:schemaRefs>
-    <ds:schemaRef ds:uri="http://schemas.microsoft.com/office/2006/metadata/contentType"/>
-    <ds:schemaRef ds:uri="http://schemas.microsoft.com/office/2006/metadata/properties/metaAttributes"/>
-    <ds:schemaRef ds:uri="http://www.w3.org/2001/XMLSchema"/>
-    <ds:schemaRef ds:uri="http://schemas.microsoft.com/office/2006/metadata/properties"/>
-    <ds:schemaRef ds:uri="http://schemas.microsoft.com/sharepoint/v3"/>
-    <ds:schemaRef ds:uri="2023ac63-7b75-4916-a9ee-591457758eee"/>
-    <ds:schemaRef ds:uri="d9c797ad-d7c3-4982-82b7-81352a75e4a5"/>
-    <ds:schemaRef ds:uri="http://schemas.microsoft.com/office/2006/documentManagement/types"/>
-    <ds:schemaRef ds:uri="http://schemas.microsoft.com/office/infopath/2007/PartnerControls"/>
-    <ds:schemaRef ds:uri="http://schemas.openxmlformats.org/package/2006/metadata/core-properties"/>
-    <ds:schemaRef ds:uri="http://purl.org/dc/elements/1.1/"/>
-    <ds:schemaRef ds:uri="http://purl.org/dc/terms/"/>
-    <ds:schemaRef ds:uri="http://schemas.microsoft.com/internal/obd"/>
+    <ds:schemaRef ds:uri="http://schemas.microsoft.com/sharepoint/v3/contenttype/forms"/>
   </ds:schemaRefs>
 </ds:datastoreItem>
 </file>
--- a/Hands-on Modules/Embedding/3. Getting Started.pptx
+++ b/Hands-on Modules/Embedding/3. Getting Started.pptx
@@ -6,7 +6,7 @@
     <p:sldMasterId id="2147483665" r:id="rId5"/>
   </p:sldMasterIdLst>
   <p:notesMasterIdLst>
-    <p:notesMasterId r:id="rId14"/>
+    <p:notesMasterId r:id="rId16"/>
   </p:notesMasterIdLst>
   <p:sldIdLst>
     <p:sldId id="300" r:id="rId6"/>
@@ -15,8 +15,10 @@
     <p:sldId id="258" r:id="rId9"/>
     <p:sldId id="260" r:id="rId10"/>
     <p:sldId id="261" r:id="rId11"/>
-    <p:sldId id="333" r:id="rId12"/>
-    <p:sldId id="315" r:id="rId13"/>
+    <p:sldId id="339" r:id="rId12"/>
+    <p:sldId id="335" r:id="rId13"/>
+    <p:sldId id="333" r:id="rId14"/>
+    <p:sldId id="315" r:id="rId15"/>
   </p:sldIdLst>
   <p:sldSz cx="12192000" cy="6858000"/>
   <p:notesSz cx="6858000" cy="9144000"/>
@@ -214,7 +216,7 @@
           <a:p>
             <a:fld id="{52A13B17-C506-4D51-BB37-16B365906619}" type="datetimeFigureOut">
               <a:rPr lang="en-US" smtClean="0"/>
-              <a:t>2/26/2019</a:t>
+              <a:t>2/27/2019</a:t>
             </a:fld>
             <a:endParaRPr lang="en-US"/>
           </a:p>
@@ -763,7 +765,7 @@
           <a:p>
             <a:fld id="{35A2D088-BDBD-41A5-ADCE-5C6A4DC08057}" type="datetime8">
               <a:rPr lang="en-US" smtClean="0"/>
-              <a:t>2/26/2019 1:01 PM</a:t>
+              <a:t>2/27/2019 5:07 PM</a:t>
             </a:fld>
             <a:endParaRPr lang="en-US" dirty="0"/>
           </a:p>
@@ -1028,7 +1030,7 @@
           <a:p>
             <a:fld id="{35A2D088-BDBD-41A5-ADCE-5C6A4DC08057}" type="datetime8">
               <a:rPr lang="en-US" smtClean="0"/>
-              <a:t>2/26/2019 1:01 PM</a:t>
+              <a:t>2/27/2019 5:07 PM</a:t>
             </a:fld>
             <a:endParaRPr lang="en-US" dirty="0"/>
           </a:p>
@@ -1052,7 +1054,7 @@
             <a:fld id="{B4008EB6-D09E-4580-8CD6-DDB14511944F}" type="slidenum">
               <a:rPr lang="en-US" smtClean="0"/>
               <a:pPr/>
-              <a:t>7</a:t>
+              <a:t>9</a:t>
             </a:fld>
             <a:endParaRPr lang="en-US" dirty="0"/>
           </a:p>
@@ -1178,7 +1180,7 @@
                   <a:prstClr val="black"/>
                 </a:solidFill>
               </a:rPr>
-              <a:t>2/26/2019 1:01 PM</a:t>
+              <a:t>2/27/2019 5:12 PM</a:t>
             </a:fld>
             <a:endParaRPr lang="en-US" dirty="0">
               <a:solidFill>
@@ -1210,7 +1212,7 @@
                 </a:solidFill>
               </a:rPr>
               <a:pPr/>
-              <a:t>8</a:t>
+              <a:t>10</a:t>
             </a:fld>
             <a:endParaRPr lang="en-US" dirty="0">
               <a:solidFill>
@@ -11324,7 +11326,7 @@
             <a:fld id="{2E809A50-B28D-413A-915D-87F91E5248C6}" type="datetimeFigureOut">
               <a:rPr lang="en-US" smtClean="0"/>
               <a:pPr/>
-              <a:t>2/26/2019</a:t>
+              <a:t>2/27/2019</a:t>
             </a:fld>
             <a:endParaRPr lang="en-US"/>
           </a:p>
@@ -11377,6 +11379,418 @@
     <p:extLst>
       <p:ext uri="{BB962C8B-B14F-4D97-AF65-F5344CB8AC3E}">
         <p14:creationId xmlns:p14="http://schemas.microsoft.com/office/powerpoint/2010/main" val="3531977097"/>
+      </p:ext>
+    </p:extLst>
+  </p:cSld>
+  <p:clrMapOvr>
+    <a:masterClrMapping/>
+  </p:clrMapOvr>
+</p:sldLayout>
+</file>
+
+<file path=ppt/slideLayouts/slideLayout31.xml><?xml version="1.0" encoding="utf-8"?>
+<p:sldLayout xmlns:a="http://schemas.openxmlformats.org/drawingml/2006/main" xmlns:r="http://schemas.openxmlformats.org/officeDocument/2006/relationships" xmlns:p="http://schemas.openxmlformats.org/presentationml/2006/main" type="twoTxTwoObj">
+  <p:cSld name="Comparison">
+    <p:spTree>
+      <p:nvGrpSpPr>
+        <p:cNvPr id="1" name=""/>
+        <p:cNvGrpSpPr/>
+        <p:nvPr/>
+      </p:nvGrpSpPr>
+      <p:grpSpPr>
+        <a:xfrm>
+          <a:off x="0" y="0"/>
+          <a:ext cx="0" cy="0"/>
+          <a:chOff x="0" y="0"/>
+          <a:chExt cx="0" cy="0"/>
+        </a:xfrm>
+      </p:grpSpPr>
+      <p:sp>
+        <p:nvSpPr>
+          <p:cNvPr id="2" name="Title 1">
+            <a:extLst>
+              <a:ext uri="{FF2B5EF4-FFF2-40B4-BE49-F238E27FC236}">
+                <a16:creationId xmlns:a16="http://schemas.microsoft.com/office/drawing/2014/main" id="{FBE05982-4128-4C74-A82F-6F0BF058E910}"/>
+              </a:ext>
+            </a:extLst>
+          </p:cNvPr>
+          <p:cNvSpPr>
+            <a:spLocks noGrp="1"/>
+          </p:cNvSpPr>
+          <p:nvPr>
+            <p:ph type="title"/>
+          </p:nvPr>
+        </p:nvSpPr>
+        <p:spPr>
+          <a:xfrm>
+            <a:off x="839788" y="365125"/>
+            <a:ext cx="10515600" cy="1325563"/>
+          </a:xfrm>
+        </p:spPr>
+        <p:txBody>
+          <a:bodyPr/>
+          <a:lstStyle/>
+          <a:p>
+            <a:r>
+              <a:rPr lang="en-US"/>
+              <a:t>Click to edit Master title style</a:t>
+            </a:r>
+          </a:p>
+        </p:txBody>
+      </p:sp>
+      <p:sp>
+        <p:nvSpPr>
+          <p:cNvPr id="3" name="Text Placeholder 2">
+            <a:extLst>
+              <a:ext uri="{FF2B5EF4-FFF2-40B4-BE49-F238E27FC236}">
+                <a16:creationId xmlns:a16="http://schemas.microsoft.com/office/drawing/2014/main" id="{0AFF7815-6F55-41D9-974B-EE38A502FCDB}"/>
+              </a:ext>
+            </a:extLst>
+          </p:cNvPr>
+          <p:cNvSpPr>
+            <a:spLocks noGrp="1"/>
+          </p:cNvSpPr>
+          <p:nvPr>
+            <p:ph type="body" idx="1"/>
+          </p:nvPr>
+        </p:nvSpPr>
+        <p:spPr>
+          <a:xfrm>
+            <a:off x="839788" y="1681163"/>
+            <a:ext cx="5157787" cy="823912"/>
+          </a:xfrm>
+        </p:spPr>
+        <p:txBody>
+          <a:bodyPr anchor="b"/>
+          <a:lstStyle>
+            <a:lvl1pPr marL="0" indent="0">
+              <a:buNone/>
+              <a:defRPr sz="2400" b="1"/>
+            </a:lvl1pPr>
+            <a:lvl2pPr marL="457200" indent="0">
+              <a:buNone/>
+              <a:defRPr sz="2000" b="1"/>
+            </a:lvl2pPr>
+            <a:lvl3pPr marL="914400" indent="0">
+              <a:buNone/>
+              <a:defRPr sz="1800" b="1"/>
+            </a:lvl3pPr>
+            <a:lvl4pPr marL="1371600" indent="0">
+              <a:buNone/>
+              <a:defRPr sz="1600" b="1"/>
+            </a:lvl4pPr>
+            <a:lvl5pPr marL="1828800" indent="0">
+              <a:buNone/>
+              <a:defRPr sz="1600" b="1"/>
+            </a:lvl5pPr>
+            <a:lvl6pPr marL="2286000" indent="0">
+              <a:buNone/>
+              <a:defRPr sz="1600" b="1"/>
+            </a:lvl6pPr>
+            <a:lvl7pPr marL="2743200" indent="0">
+              <a:buNone/>
+              <a:defRPr sz="1600" b="1"/>
+            </a:lvl7pPr>
+            <a:lvl8pPr marL="3200400" indent="0">
+              <a:buNone/>
+              <a:defRPr sz="1600" b="1"/>
+            </a:lvl8pPr>
+            <a:lvl9pPr marL="3657600" indent="0">
+              <a:buNone/>
+              <a:defRPr sz="1600" b="1"/>
+            </a:lvl9pPr>
+          </a:lstStyle>
+          <a:p>
+            <a:pPr lvl="0"/>
+            <a:r>
+              <a:rPr lang="en-US"/>
+              <a:t>Edit Master text styles</a:t>
+            </a:r>
+          </a:p>
+        </p:txBody>
+      </p:sp>
+      <p:sp>
+        <p:nvSpPr>
+          <p:cNvPr id="4" name="Content Placeholder 3">
+            <a:extLst>
+              <a:ext uri="{FF2B5EF4-FFF2-40B4-BE49-F238E27FC236}">
+                <a16:creationId xmlns:a16="http://schemas.microsoft.com/office/drawing/2014/main" id="{D2B98FC6-D6EB-4E66-9E44-3C23F16FB85D}"/>
+              </a:ext>
+            </a:extLst>
+          </p:cNvPr>
+          <p:cNvSpPr>
+            <a:spLocks noGrp="1"/>
+          </p:cNvSpPr>
+          <p:nvPr>
+            <p:ph sz="half" idx="2"/>
+          </p:nvPr>
+        </p:nvSpPr>
+        <p:spPr>
+          <a:xfrm>
+            <a:off x="839788" y="2505075"/>
+            <a:ext cx="5157787" cy="3684588"/>
+          </a:xfrm>
+        </p:spPr>
+        <p:txBody>
+          <a:bodyPr/>
+          <a:lstStyle/>
+          <a:p>
+            <a:pPr lvl="0"/>
+            <a:r>
+              <a:rPr lang="en-US"/>
+              <a:t>Edit Master text styles</a:t>
+            </a:r>
+          </a:p>
+          <a:p>
+            <a:pPr lvl="1"/>
+            <a:r>
+              <a:rPr lang="en-US"/>
+              <a:t>Second level</a:t>
+            </a:r>
+          </a:p>
+          <a:p>
+            <a:pPr lvl="2"/>
+            <a:r>
+              <a:rPr lang="en-US"/>
+              <a:t>Third level</a:t>
+            </a:r>
+          </a:p>
+          <a:p>
+            <a:pPr lvl="3"/>
+            <a:r>
+              <a:rPr lang="en-US"/>
+              <a:t>Fourth level</a:t>
+            </a:r>
+          </a:p>
+          <a:p>
+            <a:pPr lvl="4"/>
+            <a:r>
+              <a:rPr lang="en-US"/>
+              <a:t>Fifth level</a:t>
+            </a:r>
+          </a:p>
+        </p:txBody>
+      </p:sp>
+      <p:sp>
+        <p:nvSpPr>
+          <p:cNvPr id="5" name="Text Placeholder 4">
+            <a:extLst>
+              <a:ext uri="{FF2B5EF4-FFF2-40B4-BE49-F238E27FC236}">
+                <a16:creationId xmlns:a16="http://schemas.microsoft.com/office/drawing/2014/main" id="{B952DB83-BA9E-4755-9DAE-5D7142971AFE}"/>
+              </a:ext>
+            </a:extLst>
+          </p:cNvPr>
+          <p:cNvSpPr>
+            <a:spLocks noGrp="1"/>
+          </p:cNvSpPr>
+          <p:nvPr>
+            <p:ph type="body" sz="quarter" idx="3"/>
+          </p:nvPr>
+        </p:nvSpPr>
+        <p:spPr>
+          <a:xfrm>
+            <a:off x="6172200" y="1681163"/>
+            <a:ext cx="5183188" cy="823912"/>
+          </a:xfrm>
+        </p:spPr>
+        <p:txBody>
+          <a:bodyPr anchor="b"/>
+          <a:lstStyle>
+            <a:lvl1pPr marL="0" indent="0">
+              <a:buNone/>
+              <a:defRPr sz="2400" b="1"/>
+            </a:lvl1pPr>
+            <a:lvl2pPr marL="457200" indent="0">
+              <a:buNone/>
+              <a:defRPr sz="2000" b="1"/>
+            </a:lvl2pPr>
+            <a:lvl3pPr marL="914400" indent="0">
+              <a:buNone/>
+              <a:defRPr sz="1800" b="1"/>
+            </a:lvl3pPr>
+            <a:lvl4pPr marL="1371600" indent="0">
+              <a:buNone/>
+              <a:defRPr sz="1600" b="1"/>
+            </a:lvl4pPr>
+            <a:lvl5pPr marL="1828800" indent="0">
+              <a:buNone/>
+              <a:defRPr sz="1600" b="1"/>
+            </a:lvl5pPr>
+            <a:lvl6pPr marL="2286000" indent="0">
+              <a:buNone/>
+              <a:defRPr sz="1600" b="1"/>
+            </a:lvl6pPr>
+            <a:lvl7pPr marL="2743200" indent="0">
+              <a:buNone/>
+              <a:defRPr sz="1600" b="1"/>
+            </a:lvl7pPr>
+            <a:lvl8pPr marL="3200400" indent="0">
+              <a:buNone/>
+              <a:defRPr sz="1600" b="1"/>
+            </a:lvl8pPr>
+            <a:lvl9pPr marL="3657600" indent="0">
+              <a:buNone/>
+              <a:defRPr sz="1600" b="1"/>
+            </a:lvl9pPr>
+          </a:lstStyle>
+          <a:p>
+            <a:pPr lvl="0"/>
+            <a:r>
+              <a:rPr lang="en-US"/>
+              <a:t>Edit Master text styles</a:t>
+            </a:r>
+          </a:p>
+        </p:txBody>
+      </p:sp>
+      <p:sp>
+        <p:nvSpPr>
+          <p:cNvPr id="6" name="Content Placeholder 5">
+            <a:extLst>
+              <a:ext uri="{FF2B5EF4-FFF2-40B4-BE49-F238E27FC236}">
+                <a16:creationId xmlns:a16="http://schemas.microsoft.com/office/drawing/2014/main" id="{48AC0E1F-988F-49C2-BADE-8A6C0F94A8A6}"/>
+              </a:ext>
+            </a:extLst>
+          </p:cNvPr>
+          <p:cNvSpPr>
+            <a:spLocks noGrp="1"/>
+          </p:cNvSpPr>
+          <p:nvPr>
+            <p:ph sz="quarter" idx="4"/>
+          </p:nvPr>
+        </p:nvSpPr>
+        <p:spPr>
+          <a:xfrm>
+            <a:off x="6172200" y="2505075"/>
+            <a:ext cx="5183188" cy="3684588"/>
+          </a:xfrm>
+        </p:spPr>
+        <p:txBody>
+          <a:bodyPr/>
+          <a:lstStyle/>
+          <a:p>
+            <a:pPr lvl="0"/>
+            <a:r>
+              <a:rPr lang="en-US"/>
+              <a:t>Edit Master text styles</a:t>
+            </a:r>
+          </a:p>
+          <a:p>
+            <a:pPr lvl="1"/>
+            <a:r>
+              <a:rPr lang="en-US"/>
+              <a:t>Second level</a:t>
+            </a:r>
+          </a:p>
+          <a:p>
+            <a:pPr lvl="2"/>
+            <a:r>
+              <a:rPr lang="en-US"/>
+              <a:t>Third level</a:t>
+            </a:r>
+          </a:p>
+          <a:p>
+            <a:pPr lvl="3"/>
+            <a:r>
+              <a:rPr lang="en-US"/>
+              <a:t>Fourth level</a:t>
+            </a:r>
+          </a:p>
+          <a:p>
+            <a:pPr lvl="4"/>
+            <a:r>
+              <a:rPr lang="en-US"/>
+              <a:t>Fifth level</a:t>
+            </a:r>
+          </a:p>
+        </p:txBody>
+      </p:sp>
+      <p:sp>
+        <p:nvSpPr>
+          <p:cNvPr id="7" name="Date Placeholder 6">
+            <a:extLst>
+              <a:ext uri="{FF2B5EF4-FFF2-40B4-BE49-F238E27FC236}">
+                <a16:creationId xmlns:a16="http://schemas.microsoft.com/office/drawing/2014/main" id="{E9F937FE-B24B-43F8-AA79-6E6EEA685A25}"/>
+              </a:ext>
+            </a:extLst>
+          </p:cNvPr>
+          <p:cNvSpPr>
+            <a:spLocks noGrp="1"/>
+          </p:cNvSpPr>
+          <p:nvPr>
+            <p:ph type="dt" sz="half" idx="10"/>
+          </p:nvPr>
+        </p:nvSpPr>
+        <p:spPr/>
+        <p:txBody>
+          <a:bodyPr/>
+          <a:lstStyle/>
+          <a:p>
+            <a:fld id="{1279C872-40C5-4778-A459-913B2790679C}" type="datetimeFigureOut">
+              <a:rPr lang="en-US" smtClean="0"/>
+              <a:t>2/27/2019</a:t>
+            </a:fld>
+            <a:endParaRPr lang="en-US"/>
+          </a:p>
+        </p:txBody>
+      </p:sp>
+      <p:sp>
+        <p:nvSpPr>
+          <p:cNvPr id="8" name="Footer Placeholder 7">
+            <a:extLst>
+              <a:ext uri="{FF2B5EF4-FFF2-40B4-BE49-F238E27FC236}">
+                <a16:creationId xmlns:a16="http://schemas.microsoft.com/office/drawing/2014/main" id="{68827D29-E907-475D-95CD-8A4ECF082A5C}"/>
+              </a:ext>
+            </a:extLst>
+          </p:cNvPr>
+          <p:cNvSpPr>
+            <a:spLocks noGrp="1"/>
+          </p:cNvSpPr>
+          <p:nvPr>
+            <p:ph type="ftr" sz="quarter" idx="11"/>
+          </p:nvPr>
+        </p:nvSpPr>
+        <p:spPr/>
+        <p:txBody>
+          <a:bodyPr/>
+          <a:lstStyle/>
+          <a:p>
+            <a:endParaRPr lang="en-US"/>
+          </a:p>
+        </p:txBody>
+      </p:sp>
+      <p:sp>
+        <p:nvSpPr>
+          <p:cNvPr id="9" name="Slide Number Placeholder 8">
+            <a:extLst>
+              <a:ext uri="{FF2B5EF4-FFF2-40B4-BE49-F238E27FC236}">
+                <a16:creationId xmlns:a16="http://schemas.microsoft.com/office/drawing/2014/main" id="{B5F2C0BF-BBC3-41FF-9520-E5229089E22B}"/>
+              </a:ext>
+            </a:extLst>
+          </p:cNvPr>
+          <p:cNvSpPr>
+            <a:spLocks noGrp="1"/>
+          </p:cNvSpPr>
+          <p:nvPr>
+            <p:ph type="sldNum" sz="quarter" idx="12"/>
+          </p:nvPr>
+        </p:nvSpPr>
+        <p:spPr/>
+        <p:txBody>
+          <a:bodyPr/>
+          <a:lstStyle/>
+          <a:p>
+            <a:fld id="{A9750100-3570-4DE3-A91F-E57EAF767500}" type="slidenum">
+              <a:rPr lang="en-US" smtClean="0"/>
+              <a:t>‹#›</a:t>
+            </a:fld>
+            <a:endParaRPr lang="en-US"/>
+          </a:p>
+        </p:txBody>
+      </p:sp>
+    </p:spTree>
+    <p:extLst>
+      <p:ext uri="{BB962C8B-B14F-4D97-AF65-F5344CB8AC3E}">
+        <p14:creationId xmlns:p14="http://schemas.microsoft.com/office/powerpoint/2010/main" val="3972268040"/>
       </p:ext>
     </p:extLst>
   </p:cSld>
@@ -13052,6 +13466,7 @@
     <p:sldLayoutId id="2147483682" r:id="rId17"/>
     <p:sldLayoutId id="2147483683" r:id="rId18"/>
     <p:sldLayoutId id="2147483693" r:id="rId19"/>
+    <p:sldLayoutId id="2147483694" r:id="rId20"/>
   </p:sldLayoutIdLst>
   <p:transition>
     <p:fade/>
@@ -13661,6 +14076,48 @@
 </p:sld>
 </file>
 
+<file path=ppt/slides/slide10.xml><?xml version="1.0" encoding="utf-8"?>
+<p:sld xmlns:a="http://schemas.openxmlformats.org/drawingml/2006/main" xmlns:r="http://schemas.openxmlformats.org/officeDocument/2006/relationships" xmlns:p="http://schemas.openxmlformats.org/presentationml/2006/main">
+  <p:cSld>
+    <p:spTree>
+      <p:nvGrpSpPr>
+        <p:cNvPr id="1" name=""/>
+        <p:cNvGrpSpPr/>
+        <p:nvPr/>
+      </p:nvGrpSpPr>
+      <p:grpSpPr>
+        <a:xfrm>
+          <a:off x="0" y="0"/>
+          <a:ext cx="0" cy="0"/>
+          <a:chOff x="0" y="0"/>
+          <a:chExt cx="0" cy="0"/>
+        </a:xfrm>
+      </p:grpSpPr>
+    </p:spTree>
+    <p:extLst>
+      <p:ext uri="{BB962C8B-B14F-4D97-AF65-F5344CB8AC3E}">
+        <p14:creationId xmlns:p14="http://schemas.microsoft.com/office/powerpoint/2010/main" val="1897784522"/>
+      </p:ext>
+    </p:extLst>
+  </p:cSld>
+  <p:clrMapOvr>
+    <a:masterClrMapping/>
+  </p:clrMapOvr>
+  <mc:AlternateContent xmlns:mc="http://schemas.openxmlformats.org/markup-compatibility/2006" xmlns:p14="http://schemas.microsoft.com/office/powerpoint/2010/main">
+    <mc:Choice Requires="p14">
+      <p:transition spd="med" p14:dur="700">
+        <p:fade/>
+      </p:transition>
+    </mc:Choice>
+    <mc:Fallback xmlns="">
+      <p:transition spd="med">
+        <p:fade/>
+      </p:transition>
+    </mc:Fallback>
+  </mc:AlternateContent>
+</p:sld>
+</file>
+
 <file path=ppt/slides/slide2.xml><?xml version="1.0" encoding="utf-8"?>
 <p:sld xmlns:a="http://schemas.openxmlformats.org/drawingml/2006/main" xmlns:r="http://schemas.openxmlformats.org/officeDocument/2006/relationships" xmlns:p="http://schemas.openxmlformats.org/presentationml/2006/main">
   <p:cSld>
@@ -14301,7 +14758,13 @@
       </p:grpSpPr>
       <p:sp>
         <p:nvSpPr>
-          <p:cNvPr id="2" name="Title 1"/>
+          <p:cNvPr id="2" name="Title 1">
+            <a:extLst>
+              <a:ext uri="{FF2B5EF4-FFF2-40B4-BE49-F238E27FC236}">
+                <a16:creationId xmlns:a16="http://schemas.microsoft.com/office/drawing/2014/main" id="{6EB0EE16-51FA-4CD3-957F-FBF75DF06F06}"/>
+              </a:ext>
+            </a:extLst>
+          </p:cNvPr>
           <p:cNvSpPr>
             <a:spLocks noGrp="1"/>
           </p:cNvSpPr>
@@ -14315,12 +14778,8 @@
           <a:lstStyle/>
           <a:p>
             <a:r>
-              <a:rPr lang="en-US" dirty="0">
-                <a:solidFill>
-                  <a:schemeClr val="tx1"/>
-                </a:solidFill>
-              </a:rPr>
-              <a:t>Wrap Up</a:t>
+              <a:rPr lang="en-US" dirty="0"/>
+              <a:t>FAQs</a:t>
             </a:r>
           </a:p>
         </p:txBody>
@@ -14328,39 +14787,22 @@
     </p:spTree>
     <p:extLst>
       <p:ext uri="{BB962C8B-B14F-4D97-AF65-F5344CB8AC3E}">
-        <p14:creationId xmlns:p14="http://schemas.microsoft.com/office/powerpoint/2010/main" val="2714070568"/>
+        <p14:creationId xmlns:p14="http://schemas.microsoft.com/office/powerpoint/2010/main" val="3290717234"/>
       </p:ext>
     </p:extLst>
   </p:cSld>
   <p:clrMapOvr>
     <a:masterClrMapping/>
   </p:clrMapOvr>
-  <mc:AlternateContent xmlns:mc="http://schemas.openxmlformats.org/markup-compatibility/2006" xmlns:p14="http://schemas.microsoft.com/office/powerpoint/2010/main">
-    <mc:Choice Requires="p14">
-      <p:transition spd="med" p14:dur="700">
-        <p:fade/>
-      </p:transition>
-    </mc:Choice>
-    <mc:Fallback xmlns="">
-      <p:transition spd="med">
-        <p:fade/>
-      </p:transition>
-    </mc:Fallback>
-  </mc:AlternateContent>
+  <p:transition>
+    <p:fade/>
+  </p:transition>
 </p:sld>
 </file>
 
 <file path=ppt/slides/slide8.xml><?xml version="1.0" encoding="utf-8"?>
 <p:sld xmlns:a="http://schemas.openxmlformats.org/drawingml/2006/main" xmlns:r="http://schemas.openxmlformats.org/officeDocument/2006/relationships" xmlns:p="http://schemas.openxmlformats.org/presentationml/2006/main">
   <p:cSld>
-    <p:bg>
-      <p:bgPr>
-        <a:solidFill>
-          <a:schemeClr val="bg2"/>
-        </a:solidFill>
-        <a:effectLst/>
-      </p:bgPr>
-    </p:bg>
     <p:spTree>
       <p:nvGrpSpPr>
         <p:cNvPr id="1" name=""/>
@@ -14375,10 +14817,214 @@
           <a:chExt cx="0" cy="0"/>
         </a:xfrm>
       </p:grpSpPr>
+      <p:sp>
+        <p:nvSpPr>
+          <p:cNvPr id="2" name="Title 1">
+            <a:extLst>
+              <a:ext uri="{FF2B5EF4-FFF2-40B4-BE49-F238E27FC236}">
+                <a16:creationId xmlns:a16="http://schemas.microsoft.com/office/drawing/2014/main" id="{113A9765-A80A-4187-A741-561D23FE7FDF}"/>
+              </a:ext>
+            </a:extLst>
+          </p:cNvPr>
+          <p:cNvSpPr>
+            <a:spLocks noGrp="1"/>
+          </p:cNvSpPr>
+          <p:nvPr>
+            <p:ph type="title"/>
+          </p:nvPr>
+        </p:nvSpPr>
+        <p:spPr/>
+        <p:txBody>
+          <a:bodyPr/>
+          <a:lstStyle/>
+          <a:p>
+            <a:r>
+              <a:rPr lang="en-US" dirty="0"/>
+              <a:t>FAQs</a:t>
+            </a:r>
+          </a:p>
+        </p:txBody>
+      </p:sp>
+      <p:sp>
+        <p:nvSpPr>
+          <p:cNvPr id="3" name="Text Placeholder 2">
+            <a:extLst>
+              <a:ext uri="{FF2B5EF4-FFF2-40B4-BE49-F238E27FC236}">
+                <a16:creationId xmlns:a16="http://schemas.microsoft.com/office/drawing/2014/main" id="{B62A60E8-C99D-4C28-9D0A-9F2268FF8F9B}"/>
+              </a:ext>
+            </a:extLst>
+          </p:cNvPr>
+          <p:cNvSpPr>
+            <a:spLocks noGrp="1"/>
+          </p:cNvSpPr>
+          <p:nvPr>
+            <p:ph type="body" idx="1"/>
+          </p:nvPr>
+        </p:nvSpPr>
+        <p:spPr>
+          <a:xfrm>
+            <a:off x="839788" y="1960310"/>
+            <a:ext cx="5157787" cy="406265"/>
+          </a:xfrm>
+        </p:spPr>
+        <p:txBody>
+          <a:bodyPr anchor="ctr"/>
+          <a:lstStyle/>
+          <a:p>
+            <a:endParaRPr lang="en-US" sz="1600" dirty="0"/>
+          </a:p>
+        </p:txBody>
+      </p:sp>
+      <p:sp>
+        <p:nvSpPr>
+          <p:cNvPr id="4" name="Content Placeholder 3">
+            <a:extLst>
+              <a:ext uri="{FF2B5EF4-FFF2-40B4-BE49-F238E27FC236}">
+                <a16:creationId xmlns:a16="http://schemas.microsoft.com/office/drawing/2014/main" id="{CCBBAC2C-A011-4519-9074-762A931C8212}"/>
+              </a:ext>
+            </a:extLst>
+          </p:cNvPr>
+          <p:cNvSpPr>
+            <a:spLocks noGrp="1"/>
+          </p:cNvSpPr>
+          <p:nvPr>
+            <p:ph sz="half" idx="2"/>
+          </p:nvPr>
+        </p:nvSpPr>
+        <p:spPr>
+          <a:xfrm>
+            <a:off x="839788" y="2505075"/>
+            <a:ext cx="5157787" cy="406265"/>
+          </a:xfrm>
+        </p:spPr>
+        <p:txBody>
+          <a:bodyPr/>
+          <a:lstStyle/>
+          <a:p>
+            <a:endParaRPr lang="en-US" sz="1600" dirty="0"/>
+          </a:p>
+        </p:txBody>
+      </p:sp>
+      <p:sp>
+        <p:nvSpPr>
+          <p:cNvPr id="5" name="Text Placeholder 4">
+            <a:extLst>
+              <a:ext uri="{FF2B5EF4-FFF2-40B4-BE49-F238E27FC236}">
+                <a16:creationId xmlns:a16="http://schemas.microsoft.com/office/drawing/2014/main" id="{0D3B65E4-3ABD-4555-9A90-072B0AE0CD6D}"/>
+              </a:ext>
+            </a:extLst>
+          </p:cNvPr>
+          <p:cNvSpPr>
+            <a:spLocks noGrp="1"/>
+          </p:cNvSpPr>
+          <p:nvPr>
+            <p:ph type="body" sz="quarter" idx="3"/>
+          </p:nvPr>
+        </p:nvSpPr>
+        <p:spPr>
+          <a:xfrm>
+            <a:off x="6172200" y="1960310"/>
+            <a:ext cx="5183188" cy="406265"/>
+          </a:xfrm>
+        </p:spPr>
+        <p:txBody>
+          <a:bodyPr anchor="ctr"/>
+          <a:lstStyle/>
+          <a:p>
+            <a:endParaRPr lang="en-US" sz="1600" dirty="0"/>
+          </a:p>
+        </p:txBody>
+      </p:sp>
+      <p:sp>
+        <p:nvSpPr>
+          <p:cNvPr id="6" name="Content Placeholder 5">
+            <a:extLst>
+              <a:ext uri="{FF2B5EF4-FFF2-40B4-BE49-F238E27FC236}">
+                <a16:creationId xmlns:a16="http://schemas.microsoft.com/office/drawing/2014/main" id="{8C9DC2E3-6A23-4749-93BF-4BD180BCA396}"/>
+              </a:ext>
+            </a:extLst>
+          </p:cNvPr>
+          <p:cNvSpPr>
+            <a:spLocks noGrp="1"/>
+          </p:cNvSpPr>
+          <p:nvPr>
+            <p:ph sz="quarter" idx="4"/>
+          </p:nvPr>
+        </p:nvSpPr>
+        <p:spPr>
+          <a:xfrm>
+            <a:off x="6172200" y="2505075"/>
+            <a:ext cx="5183188" cy="406265"/>
+          </a:xfrm>
+        </p:spPr>
+        <p:txBody>
+          <a:bodyPr/>
+          <a:lstStyle/>
+          <a:p>
+            <a:endParaRPr lang="en-US" sz="1600" dirty="0"/>
+          </a:p>
+        </p:txBody>
+      </p:sp>
     </p:spTree>
     <p:extLst>
       <p:ext uri="{BB962C8B-B14F-4D97-AF65-F5344CB8AC3E}">
-        <p14:creationId xmlns:p14="http://schemas.microsoft.com/office/powerpoint/2010/main" val="1897784522"/>
+        <p14:creationId xmlns:p14="http://schemas.microsoft.com/office/powerpoint/2010/main" val="2835079792"/>
+      </p:ext>
+    </p:extLst>
+  </p:cSld>
+  <p:clrMapOvr>
+    <a:masterClrMapping/>
+  </p:clrMapOvr>
+</p:sld>
+</file>
+
+<file path=ppt/slides/slide9.xml><?xml version="1.0" encoding="utf-8"?>
+<p:sld xmlns:a="http://schemas.openxmlformats.org/drawingml/2006/main" xmlns:r="http://schemas.openxmlformats.org/officeDocument/2006/relationships" xmlns:p="http://schemas.openxmlformats.org/presentationml/2006/main">
+  <p:cSld>
+    <p:spTree>
+      <p:nvGrpSpPr>
+        <p:cNvPr id="1" name=""/>
+        <p:cNvGrpSpPr/>
+        <p:nvPr/>
+      </p:nvGrpSpPr>
+      <p:grpSpPr>
+        <a:xfrm>
+          <a:off x="0" y="0"/>
+          <a:ext cx="0" cy="0"/>
+          <a:chOff x="0" y="0"/>
+          <a:chExt cx="0" cy="0"/>
+        </a:xfrm>
+      </p:grpSpPr>
+      <p:sp>
+        <p:nvSpPr>
+          <p:cNvPr id="2" name="Title 1"/>
+          <p:cNvSpPr>
+            <a:spLocks noGrp="1"/>
+          </p:cNvSpPr>
+          <p:nvPr>
+            <p:ph type="title"/>
+          </p:nvPr>
+        </p:nvSpPr>
+        <p:spPr/>
+        <p:txBody>
+          <a:bodyPr/>
+          <a:lstStyle/>
+          <a:p>
+            <a:r>
+              <a:rPr lang="en-US" dirty="0">
+                <a:solidFill>
+                  <a:schemeClr val="tx1"/>
+                </a:solidFill>
+              </a:rPr>
+              <a:t>Wrap Up</a:t>
+            </a:r>
+          </a:p>
+        </p:txBody>
+      </p:sp>
+    </p:spTree>
+    <p:extLst>
+      <p:ext uri="{BB962C8B-B14F-4D97-AF65-F5344CB8AC3E}">
+        <p14:creationId xmlns:p14="http://schemas.microsoft.com/office/powerpoint/2010/main" val="2714070568"/>
       </p:ext>
     </p:extLst>
   </p:cSld>
@@ -15266,6 +15912,24 @@
 </file>
 
 <file path=customXml/item1.xml><?xml version="1.0" encoding="utf-8"?>
+<?mso-contentType ?>
+<FormTemplates xmlns="http://schemas.microsoft.com/sharepoint/v3/contenttype/forms">
+  <Display>DocumentLibraryForm</Display>
+  <Edit>DocumentLibraryForm</Edit>
+  <New>DocumentLibraryForm</New>
+</FormTemplates>
+</file>
+
+<file path=customXml/item2.xml><?xml version="1.0" encoding="utf-8"?>
+<p:properties xmlns:p="http://schemas.microsoft.com/office/2006/metadata/properties" xmlns:xsi="http://www.w3.org/2001/XMLSchema-instance" xmlns:pc="http://schemas.microsoft.com/office/infopath/2007/PartnerControls">
+  <documentManagement>
+    <_ip_UnifiedCompliancePolicyUIAction xmlns="http://schemas.microsoft.com/sharepoint/v3" xsi:nil="true"/>
+    <_ip_UnifiedCompliancePolicyProperties xmlns="http://schemas.microsoft.com/sharepoint/v3" xsi:nil="true"/>
+  </documentManagement>
+</p:properties>
+</file>
+
+<file path=customXml/item3.xml><?xml version="1.0" encoding="utf-8"?>
 <ct:contentTypeSchema xmlns:ct="http://schemas.microsoft.com/office/2006/metadata/contentType" xmlns:ma="http://schemas.microsoft.com/office/2006/metadata/properties/metaAttributes" ct:_="" ma:_="" ma:contentTypeName="Document" ma:contentTypeID="0x010100D15DFA3690A15B4081582BBCC6BEAC3E" ma:contentTypeVersion="9" ma:contentTypeDescription="Create a new document." ma:contentTypeScope="" ma:versionID="642da1784587cbe85a7fdbbe4dc36103">
   <xsd:schema xmlns:xsd="http://www.w3.org/2001/XMLSchema" xmlns:xs="http://www.w3.org/2001/XMLSchema" xmlns:p="http://schemas.microsoft.com/office/2006/metadata/properties" xmlns:ns1="http://schemas.microsoft.com/sharepoint/v3" xmlns:ns2="2023ac63-7b75-4916-a9ee-591457758eee" xmlns:ns3="d9c797ad-d7c3-4982-82b7-81352a75e4a5" targetNamespace="http://schemas.microsoft.com/office/2006/metadata/properties" ma:root="true" ma:fieldsID="91198b0246576053cc55dd2c67035a89" ns1:_="" ns2:_="" ns3:_="">
     <xsd:import namespace="http://schemas.microsoft.com/sharepoint/v3"/>
@@ -15467,40 +16131,10 @@
 </ct:contentTypeSchema>
 </file>
 
-<file path=customXml/item2.xml><?xml version="1.0" encoding="utf-8"?>
-<p:properties xmlns:p="http://schemas.microsoft.com/office/2006/metadata/properties" xmlns:xsi="http://www.w3.org/2001/XMLSchema-instance" xmlns:pc="http://schemas.microsoft.com/office/infopath/2007/PartnerControls">
-  <documentManagement>
-    <_ip_UnifiedCompliancePolicyUIAction xmlns="http://schemas.microsoft.com/sharepoint/v3" xsi:nil="true"/>
-    <_ip_UnifiedCompliancePolicyProperties xmlns="http://schemas.microsoft.com/sharepoint/v3" xsi:nil="true"/>
-  </documentManagement>
-</p:properties>
-</file>
-
-<file path=customXml/item3.xml><?xml version="1.0" encoding="utf-8"?>
-<?mso-contentType ?>
-<FormTemplates xmlns="http://schemas.microsoft.com/sharepoint/v3/contenttype/forms">
-  <Display>DocumentLibraryForm</Display>
-  <Edit>DocumentLibraryForm</Edit>
-  <New>DocumentLibraryForm</New>
-</FormTemplates>
-</file>
-
 <file path=customXml/itemProps1.xml><?xml version="1.0" encoding="utf-8"?>
-<ds:datastoreItem xmlns:ds="http://schemas.openxmlformats.org/officeDocument/2006/customXml" ds:itemID="{255F5BEB-6AD6-480A-8556-C80C5EBC10F2}">
+<ds:datastoreItem xmlns:ds="http://schemas.openxmlformats.org/officeDocument/2006/customXml" ds:itemID="{F18501AF-04CF-4482-BAE1-607B49DDC378}">
   <ds:schemaRefs>
-    <ds:schemaRef ds:uri="http://schemas.microsoft.com/office/2006/metadata/contentType"/>
-    <ds:schemaRef ds:uri="http://schemas.microsoft.com/office/2006/metadata/properties/metaAttributes"/>
-    <ds:schemaRef ds:uri="http://www.w3.org/2001/XMLSchema"/>
-    <ds:schemaRef ds:uri="http://schemas.microsoft.com/office/2006/metadata/properties"/>
-    <ds:schemaRef ds:uri="http://schemas.microsoft.com/sharepoint/v3"/>
-    <ds:schemaRef ds:uri="2023ac63-7b75-4916-a9ee-591457758eee"/>
-    <ds:schemaRef ds:uri="d9c797ad-d7c3-4982-82b7-81352a75e4a5"/>
-    <ds:schemaRef ds:uri="http://schemas.microsoft.com/office/2006/documentManagement/types"/>
-    <ds:schemaRef ds:uri="http://schemas.microsoft.com/office/infopath/2007/PartnerControls"/>
-    <ds:schemaRef ds:uri="http://schemas.openxmlformats.org/package/2006/metadata/core-properties"/>
-    <ds:schemaRef ds:uri="http://purl.org/dc/elements/1.1/"/>
-    <ds:schemaRef ds:uri="http://purl.org/dc/terms/"/>
-    <ds:schemaRef ds:uri="http://schemas.microsoft.com/internal/obd"/>
+    <ds:schemaRef ds:uri="http://schemas.microsoft.com/sharepoint/v3/contenttype/forms"/>
   </ds:schemaRefs>
 </ds:datastoreItem>
 </file>
@@ -15524,9 +16158,21 @@
 </file>
 
 <file path=customXml/itemProps3.xml><?xml version="1.0" encoding="utf-8"?>
-<ds:datastoreItem xmlns:ds="http://schemas.openxmlformats.org/officeDocument/2006/customXml" ds:itemID="{F18501AF-04CF-4482-BAE1-607B49DDC378}">
+<ds:datastoreItem xmlns:ds="http://schemas.openxmlformats.org/officeDocument/2006/customXml" ds:itemID="{255F5BEB-6AD6-480A-8556-C80C5EBC10F2}">
   <ds:schemaRefs>
-    <ds:schemaRef ds:uri="http://schemas.microsoft.com/sharepoint/v3/contenttype/forms"/>
+    <ds:schemaRef ds:uri="http://schemas.microsoft.com/office/2006/metadata/contentType"/>
+    <ds:schemaRef ds:uri="http://schemas.microsoft.com/office/2006/metadata/properties/metaAttributes"/>
+    <ds:schemaRef ds:uri="http://www.w3.org/2001/XMLSchema"/>
+    <ds:schemaRef ds:uri="http://schemas.microsoft.com/office/2006/metadata/properties"/>
+    <ds:schemaRef ds:uri="http://schemas.microsoft.com/sharepoint/v3"/>
+    <ds:schemaRef ds:uri="2023ac63-7b75-4916-a9ee-591457758eee"/>
+    <ds:schemaRef ds:uri="d9c797ad-d7c3-4982-82b7-81352a75e4a5"/>
+    <ds:schemaRef ds:uri="http://schemas.microsoft.com/office/2006/documentManagement/types"/>
+    <ds:schemaRef ds:uri="http://schemas.microsoft.com/office/infopath/2007/PartnerControls"/>
+    <ds:schemaRef ds:uri="http://schemas.openxmlformats.org/package/2006/metadata/core-properties"/>
+    <ds:schemaRef ds:uri="http://purl.org/dc/elements/1.1/"/>
+    <ds:schemaRef ds:uri="http://purl.org/dc/terms/"/>
+    <ds:schemaRef ds:uri="http://schemas.microsoft.com/internal/obd"/>
   </ds:schemaRefs>
 </ds:datastoreItem>
 </file>